--- a/PrezentareE6.pptx
+++ b/PrezentareE6.pptx
@@ -1106,7 +1106,7 @@
   <p:cSld>
     <p:spTree>
       <p:nvGrpSpPr>
-        <p:cNvPr id="104" name="Shape 104"/>
+        <p:cNvPr id="105" name="Shape 105"/>
         <p:cNvGrpSpPr/>
         <p:nvPr/>
       </p:nvGrpSpPr>
@@ -1120,7 +1120,7 @@
       </p:grpSpPr>
       <p:sp>
         <p:nvSpPr>
-          <p:cNvPr id="105" name="Google Shape;105;gb646180738_0_15:notes"/>
+          <p:cNvPr id="106" name="Google Shape;106;gb646180738_0_15:notes"/>
           <p:cNvSpPr/>
           <p:nvPr>
             <p:ph idx="2" type="sldImg"/>
@@ -1155,7 +1155,7 @@
       </p:sp>
       <p:sp>
         <p:nvSpPr>
-          <p:cNvPr id="106" name="Google Shape;106;gb646180738_0_15:notes"/>
+          <p:cNvPr id="107" name="Google Shape;107;gb646180738_0_15:notes"/>
           <p:cNvSpPr txBox="1"/>
           <p:nvPr>
             <p:ph idx="1" type="body"/>
@@ -1205,7 +1205,7 @@
   <p:cSld>
     <p:spTree>
       <p:nvGrpSpPr>
-        <p:cNvPr id="112" name="Shape 112"/>
+        <p:cNvPr id="113" name="Shape 113"/>
         <p:cNvGrpSpPr/>
         <p:nvPr/>
       </p:nvGrpSpPr>
@@ -1219,7 +1219,7 @@
       </p:grpSpPr>
       <p:sp>
         <p:nvSpPr>
-          <p:cNvPr id="113" name="Google Shape;113;gb646180738_0_20:notes"/>
+          <p:cNvPr id="114" name="Google Shape;114;gb646180738_0_20:notes"/>
           <p:cNvSpPr/>
           <p:nvPr>
             <p:ph idx="2" type="sldImg"/>
@@ -1254,7 +1254,7 @@
       </p:sp>
       <p:sp>
         <p:nvSpPr>
-          <p:cNvPr id="114" name="Google Shape;114;gb646180738_0_20:notes"/>
+          <p:cNvPr id="115" name="Google Shape;115;gb646180738_0_20:notes"/>
           <p:cNvSpPr txBox="1"/>
           <p:nvPr>
             <p:ph idx="1" type="body"/>
@@ -8284,6 +8284,34 @@
           </a:p>
         </p:txBody>
       </p:sp>
+      <p:pic>
+        <p:nvPicPr>
+          <p:cNvPr id="104" name="Google Shape;104;p16"/>
+          <p:cNvPicPr preferRelativeResize="0"/>
+          <p:nvPr/>
+        </p:nvPicPr>
+        <p:blipFill>
+          <a:blip r:embed="rId4">
+            <a:alphaModFix/>
+          </a:blip>
+          <a:stretch>
+            <a:fillRect/>
+          </a:stretch>
+        </p:blipFill>
+        <p:spPr>
+          <a:xfrm>
+            <a:off x="6758400" y="2147400"/>
+            <a:ext cx="2385601" cy="1909525"/>
+          </a:xfrm>
+          <a:prstGeom prst="rect">
+            <a:avLst/>
+          </a:prstGeom>
+          <a:noFill/>
+          <a:ln>
+            <a:noFill/>
+          </a:ln>
+        </p:spPr>
+      </p:pic>
     </p:spTree>
   </p:cSld>
   <p:clrMapOvr>
@@ -8297,7 +8325,7 @@
   <p:cSld>
     <p:spTree>
       <p:nvGrpSpPr>
-        <p:cNvPr id="107" name="Shape 107"/>
+        <p:cNvPr id="108" name="Shape 108"/>
         <p:cNvGrpSpPr/>
         <p:nvPr/>
       </p:nvGrpSpPr>
@@ -8311,7 +8339,7 @@
       </p:grpSpPr>
       <p:sp>
         <p:nvSpPr>
-          <p:cNvPr id="108" name="Google Shape;108;p17"/>
+          <p:cNvPr id="109" name="Google Shape;109;p17"/>
           <p:cNvSpPr txBox="1"/>
           <p:nvPr>
             <p:ph idx="1" type="body"/>
@@ -8370,7 +8398,7 @@
       </p:sp>
       <p:sp>
         <p:nvSpPr>
-          <p:cNvPr id="109" name="Google Shape;109;p17"/>
+          <p:cNvPr id="110" name="Google Shape;110;p17"/>
           <p:cNvSpPr txBox="1"/>
           <p:nvPr>
             <p:ph type="title"/>
@@ -8410,7 +8438,7 @@
       </p:sp>
       <p:pic>
         <p:nvPicPr>
-          <p:cNvPr id="110" name="Google Shape;110;p17"/>
+          <p:cNvPr id="111" name="Google Shape;111;p17"/>
           <p:cNvPicPr preferRelativeResize="0"/>
           <p:nvPr/>
         </p:nvPicPr>
@@ -8438,7 +8466,7 @@
       </p:pic>
       <p:pic>
         <p:nvPicPr>
-          <p:cNvPr id="111" name="Google Shape;111;p17"/>
+          <p:cNvPr id="112" name="Google Shape;112;p17"/>
           <p:cNvPicPr preferRelativeResize="0"/>
           <p:nvPr/>
         </p:nvPicPr>
@@ -8477,7 +8505,7 @@
   <p:cSld>
     <p:spTree>
       <p:nvGrpSpPr>
-        <p:cNvPr id="115" name="Shape 115"/>
+        <p:cNvPr id="116" name="Shape 116"/>
         <p:cNvGrpSpPr/>
         <p:nvPr/>
       </p:nvGrpSpPr>
@@ -8491,7 +8519,7 @@
       </p:grpSpPr>
       <p:sp>
         <p:nvSpPr>
-          <p:cNvPr id="116" name="Google Shape;116;p18"/>
+          <p:cNvPr id="117" name="Google Shape;117;p18"/>
           <p:cNvSpPr txBox="1"/>
           <p:nvPr>
             <p:ph type="title"/>
@@ -8531,7 +8559,7 @@
       </p:sp>
       <p:sp>
         <p:nvSpPr>
-          <p:cNvPr id="117" name="Google Shape;117;p18"/>
+          <p:cNvPr id="118" name="Google Shape;118;p18"/>
           <p:cNvSpPr txBox="1"/>
           <p:nvPr>
             <p:ph idx="1" type="body"/>
@@ -8610,7 +8638,7 @@
       </p:sp>
       <p:sp>
         <p:nvSpPr>
-          <p:cNvPr id="118" name="Google Shape;118;p18"/>
+          <p:cNvPr id="119" name="Google Shape;119;p18"/>
           <p:cNvSpPr txBox="1"/>
           <p:nvPr>
             <p:ph type="title"/>
@@ -8650,7 +8678,7 @@
       </p:sp>
       <p:sp>
         <p:nvSpPr>
-          <p:cNvPr id="119" name="Google Shape;119;p18"/>
+          <p:cNvPr id="120" name="Google Shape;120;p18"/>
           <p:cNvSpPr txBox="1"/>
           <p:nvPr>
             <p:ph idx="1" type="body"/>
